--- a/review/lecture-review-week-11.pptx
+++ b/review/lecture-review-week-11.pptx
@@ -8,11 +8,9 @@
     <p:sldId id="257" r:id="rId2"/>
     <p:sldId id="260" r:id="rId3"/>
     <p:sldId id="261" r:id="rId4"/>
-    <p:sldId id="270" r:id="rId5"/>
-    <p:sldId id="271" r:id="rId6"/>
-    <p:sldId id="272" r:id="rId7"/>
-    <p:sldId id="269" r:id="rId8"/>
-    <p:sldId id="278" r:id="rId9"/>
+    <p:sldId id="271" r:id="rId5"/>
+    <p:sldId id="269" r:id="rId6"/>
+    <p:sldId id="278" r:id="rId7"/>
   </p:sldIdLst>
   <p:sldSz cx="12192000" cy="6858000"/>
   <p:notesSz cx="6858000" cy="9144000"/>
@@ -266,7 +264,7 @@
           <a:p>
             <a:fld id="{DAC1E4EF-1A07-8740-80B6-D041CCD5E262}" type="datetimeFigureOut">
               <a:rPr lang="en-US" smtClean="0"/>
-              <a:t>8/19/18</a:t>
+              <a:t>7/15/19</a:t>
             </a:fld>
             <a:endParaRPr lang="en-US"/>
           </a:p>
@@ -464,7 +462,7 @@
           <a:p>
             <a:fld id="{DAC1E4EF-1A07-8740-80B6-D041CCD5E262}" type="datetimeFigureOut">
               <a:rPr lang="en-US" smtClean="0"/>
-              <a:t>8/19/18</a:t>
+              <a:t>7/15/19</a:t>
             </a:fld>
             <a:endParaRPr lang="en-US"/>
           </a:p>
@@ -672,7 +670,7 @@
           <a:p>
             <a:fld id="{DAC1E4EF-1A07-8740-80B6-D041CCD5E262}" type="datetimeFigureOut">
               <a:rPr lang="en-US" smtClean="0"/>
-              <a:t>8/19/18</a:t>
+              <a:t>7/15/19</a:t>
             </a:fld>
             <a:endParaRPr lang="en-US"/>
           </a:p>
@@ -870,7 +868,7 @@
           <a:p>
             <a:fld id="{DAC1E4EF-1A07-8740-80B6-D041CCD5E262}" type="datetimeFigureOut">
               <a:rPr lang="en-US" smtClean="0"/>
-              <a:t>8/19/18</a:t>
+              <a:t>7/15/19</a:t>
             </a:fld>
             <a:endParaRPr lang="en-US"/>
           </a:p>
@@ -1145,7 +1143,7 @@
           <a:p>
             <a:fld id="{DAC1E4EF-1A07-8740-80B6-D041CCD5E262}" type="datetimeFigureOut">
               <a:rPr lang="en-US" smtClean="0"/>
-              <a:t>8/19/18</a:t>
+              <a:t>7/15/19</a:t>
             </a:fld>
             <a:endParaRPr lang="en-US"/>
           </a:p>
@@ -1410,7 +1408,7 @@
           <a:p>
             <a:fld id="{DAC1E4EF-1A07-8740-80B6-D041CCD5E262}" type="datetimeFigureOut">
               <a:rPr lang="en-US" smtClean="0"/>
-              <a:t>8/19/18</a:t>
+              <a:t>7/15/19</a:t>
             </a:fld>
             <a:endParaRPr lang="en-US"/>
           </a:p>
@@ -1822,7 +1820,7 @@
           <a:p>
             <a:fld id="{DAC1E4EF-1A07-8740-80B6-D041CCD5E262}" type="datetimeFigureOut">
               <a:rPr lang="en-US" smtClean="0"/>
-              <a:t>8/19/18</a:t>
+              <a:t>7/15/19</a:t>
             </a:fld>
             <a:endParaRPr lang="en-US"/>
           </a:p>
@@ -1963,7 +1961,7 @@
           <a:p>
             <a:fld id="{DAC1E4EF-1A07-8740-80B6-D041CCD5E262}" type="datetimeFigureOut">
               <a:rPr lang="en-US" smtClean="0"/>
-              <a:t>8/19/18</a:t>
+              <a:t>7/15/19</a:t>
             </a:fld>
             <a:endParaRPr lang="en-US"/>
           </a:p>
@@ -2076,7 +2074,7 @@
           <a:p>
             <a:fld id="{DAC1E4EF-1A07-8740-80B6-D041CCD5E262}" type="datetimeFigureOut">
               <a:rPr lang="en-US" smtClean="0"/>
-              <a:t>8/19/18</a:t>
+              <a:t>7/15/19</a:t>
             </a:fld>
             <a:endParaRPr lang="en-US"/>
           </a:p>
@@ -2387,7 +2385,7 @@
           <a:p>
             <a:fld id="{DAC1E4EF-1A07-8740-80B6-D041CCD5E262}" type="datetimeFigureOut">
               <a:rPr lang="en-US" smtClean="0"/>
-              <a:t>8/19/18</a:t>
+              <a:t>7/15/19</a:t>
             </a:fld>
             <a:endParaRPr lang="en-US"/>
           </a:p>
@@ -2675,7 +2673,7 @@
           <a:p>
             <a:fld id="{DAC1E4EF-1A07-8740-80B6-D041CCD5E262}" type="datetimeFigureOut">
               <a:rPr lang="en-US" smtClean="0"/>
-              <a:t>8/19/18</a:t>
+              <a:t>7/15/19</a:t>
             </a:fld>
             <a:endParaRPr lang="en-US"/>
           </a:p>
@@ -2916,7 +2914,7 @@
           <a:p>
             <a:fld id="{DAC1E4EF-1A07-8740-80B6-D041CCD5E262}" type="datetimeFigureOut">
               <a:rPr lang="en-US" smtClean="0"/>
-              <a:t>8/19/18</a:t>
+              <a:t>7/15/19</a:t>
             </a:fld>
             <a:endParaRPr lang="en-US"/>
           </a:p>
@@ -3670,7 +3668,7 @@
         </p:spPr>
         <p:txBody>
           <a:bodyPr>
-            <a:normAutofit fontScale="85000" lnSpcReduction="20000"/>
+            <a:normAutofit fontScale="62500" lnSpcReduction="20000"/>
           </a:bodyPr>
           <a:lstStyle/>
           <a:p>
@@ -3687,43 +3685,9 @@
             </a:r>
           </a:p>
           <a:p>
-            <a:pPr lvl="1"/>
-            <a:r>
-              <a:rPr lang="en-US" dirty="0"/>
-              <a:t>A super process</a:t>
-            </a:r>
-          </a:p>
-          <a:p>
-            <a:endParaRPr lang="en-US" dirty="0"/>
-          </a:p>
-          <a:p>
-            <a:r>
-              <a:rPr lang="en-US" dirty="0"/>
-              <a:t>Container benefits:</a:t>
-            </a:r>
-          </a:p>
-          <a:p>
-            <a:pPr lvl="1"/>
-            <a:r>
-              <a:rPr lang="en-US" dirty="0"/>
-              <a:t>Write once and run anywhere.</a:t>
-            </a:r>
-          </a:p>
-          <a:p>
-            <a:pPr lvl="1"/>
-            <a:r>
-              <a:rPr lang="en-US" dirty="0"/>
-              <a:t>Eliminate dependency conflicts.</a:t>
-            </a:r>
-          </a:p>
-          <a:p>
-            <a:pPr lvl="1"/>
-            <a:r>
-              <a:rPr lang="en-US" dirty="0"/>
-              <a:t>Easy to deploy.</a:t>
-            </a:r>
-          </a:p>
-          <a:p>
+            <a:pPr marL="0" indent="0">
+              <a:buNone/>
+            </a:pPr>
             <a:endParaRPr lang="en-US" dirty="0"/>
           </a:p>
           <a:p>
@@ -3741,24 +3705,80 @@
           </a:p>
           <a:p>
             <a:pPr lvl="1"/>
+            <a:endParaRPr lang="en-US" dirty="0"/>
+          </a:p>
+          <a:p>
             <a:r>
               <a:rPr lang="en-US" dirty="0"/>
-              <a:t>Containers have their own process space and networking stack.</a:t>
+              <a:t>Docker</a:t>
             </a:r>
           </a:p>
           <a:p>
             <a:pPr lvl="1"/>
             <a:r>
               <a:rPr lang="en-US" dirty="0"/>
-              <a:t>Containers can't emulate physical devices</a:t>
+              <a:t>A client-server technology which manages containers.</a:t>
             </a:r>
           </a:p>
           <a:p>
             <a:pPr lvl="1"/>
             <a:r>
               <a:rPr lang="en-US" dirty="0"/>
-              <a:t>Containers can start up in seconds.</a:t>
-            </a:r>
+              <a:t>Docker daemon/server, Docker client, Docker registry (Hub)</a:t>
+            </a:r>
+          </a:p>
+          <a:p>
+            <a:endParaRPr lang="en-US" dirty="0"/>
+          </a:p>
+          <a:p>
+            <a:r>
+              <a:rPr lang="en-US" dirty="0"/>
+              <a:t>Working with Docker containers</a:t>
+            </a:r>
+          </a:p>
+          <a:p>
+            <a:pPr lvl="1"/>
+            <a:r>
+              <a:rPr lang="en-US" dirty="0"/>
+              <a:t>Run in interactive vs. detached mode</a:t>
+            </a:r>
+          </a:p>
+          <a:p>
+            <a:pPr lvl="1"/>
+            <a:r>
+              <a:rPr lang="en-US" dirty="0"/>
+              <a:t>List, start, stop, remove containers</a:t>
+            </a:r>
+          </a:p>
+          <a:p>
+            <a:pPr lvl="1"/>
+            <a:endParaRPr lang="en-US" dirty="0"/>
+          </a:p>
+          <a:p>
+            <a:r>
+              <a:rPr lang="en-US" dirty="0"/>
+              <a:t>Docker image</a:t>
+            </a:r>
+          </a:p>
+          <a:p>
+            <a:pPr lvl="1"/>
+            <a:r>
+              <a:rPr lang="en-US" dirty="0"/>
+              <a:t>Consists of layers -- unified file system</a:t>
+            </a:r>
+          </a:p>
+          <a:p>
+            <a:pPr lvl="1"/>
+            <a:r>
+              <a:rPr lang="en-US" dirty="0"/>
+              <a:t>Image is read-only</a:t>
+            </a:r>
+          </a:p>
+          <a:p>
+            <a:endParaRPr lang="en-US" dirty="0"/>
+          </a:p>
+          <a:p>
+            <a:endParaRPr lang="en-US" dirty="0"/>
           </a:p>
           <a:p>
             <a:pPr lvl="1"/>
@@ -3843,48 +3863,74 @@
         <p:spPr/>
         <p:txBody>
           <a:bodyPr>
-            <a:normAutofit/>
+            <a:normAutofit fontScale="77500" lnSpcReduction="20000"/>
           </a:bodyPr>
           <a:lstStyle/>
           <a:p>
             <a:r>
               <a:rPr lang="en-US" dirty="0"/>
-              <a:t>Docker</a:t>
+              <a:t>Building Docker images</a:t>
             </a:r>
           </a:p>
           <a:p>
             <a:pPr lvl="1"/>
             <a:r>
               <a:rPr lang="en-US" dirty="0"/>
-              <a:t>A client-server technology which manages containers.</a:t>
+              <a:t>Create an image starting from an existing image.</a:t>
             </a:r>
           </a:p>
           <a:p>
             <a:pPr lvl="1"/>
             <a:r>
               <a:rPr lang="en-US" dirty="0"/>
-              <a:t>Think of this as an API wrapper around kernel-based container technologies.</a:t>
+              <a:t>Image tags</a:t>
             </a:r>
           </a:p>
           <a:p>
             <a:pPr lvl="1"/>
             <a:r>
+              <a:rPr lang="en-US" dirty="0" err="1"/>
+              <a:t>Dockerfile</a:t>
+            </a:r>
+            <a:endParaRPr lang="en-US" dirty="0"/>
+          </a:p>
+          <a:p>
+            <a:endParaRPr lang="en-US" dirty="0"/>
+          </a:p>
+          <a:p>
+            <a:r>
+              <a:rPr lang="en-US" dirty="0" err="1"/>
+              <a:t>Dockerfile</a:t>
+            </a:r>
+            <a:r>
               <a:rPr lang="en-US" dirty="0"/>
-              <a:t>Docker daemon/server</a:t>
+              <a:t> commands</a:t>
             </a:r>
           </a:p>
           <a:p>
             <a:pPr lvl="1"/>
             <a:r>
               <a:rPr lang="en-US" dirty="0"/>
-              <a:t>Docker client</a:t>
+              <a:t>FROM, LABEL, CMD, ENTRYPOINT, COPY, WORKDIR, ENV, EXPOSE</a:t>
+            </a:r>
+          </a:p>
+          <a:p>
+            <a:endParaRPr lang="en-US" dirty="0"/>
+          </a:p>
+          <a:p>
+            <a:r>
+              <a:rPr lang="en-US" dirty="0"/>
+              <a:t>Networking: port mapping</a:t>
             </a:r>
           </a:p>
           <a:p>
             <a:pPr lvl="1"/>
+            <a:endParaRPr lang="en-US" dirty="0"/>
+          </a:p>
+          <a:p>
             <a:r>
               <a:rPr lang="en-US" dirty="0"/>
-              <a:t>Docker registry (Hub)</a:t>
+              <a:t>Volumes: allow data to persist outside of container.</a:t>
             </a:r>
           </a:p>
           <a:p>
@@ -3893,29 +3939,22 @@
           <a:p>
             <a:r>
               <a:rPr lang="en-US" dirty="0"/>
-              <a:t>Working with Docker containers</a:t>
-            </a:r>
-          </a:p>
-          <a:p>
-            <a:pPr lvl="1"/>
-            <a:r>
-              <a:rPr lang="en-US" dirty="0"/>
-              <a:t>Run in interactive vs. detached mode</a:t>
-            </a:r>
-          </a:p>
-          <a:p>
-            <a:pPr lvl="1"/>
-            <a:r>
-              <a:rPr lang="en-US" dirty="0"/>
-              <a:t>List, start, stop, remove containers</a:t>
-            </a:r>
+              <a:t>Docker compose</a:t>
+            </a:r>
+          </a:p>
+          <a:p>
+            <a:endParaRPr lang="en-US" dirty="0"/>
+          </a:p>
+          <a:p>
+            <a:pPr lvl="2"/>
+            <a:endParaRPr lang="en-US" dirty="0"/>
           </a:p>
         </p:txBody>
       </p:sp>
     </p:spTree>
     <p:extLst>
       <p:ext uri="{BB962C8B-B14F-4D97-AF65-F5344CB8AC3E}">
-        <p14:creationId xmlns:p14="http://schemas.microsoft.com/office/powerpoint/2010/main" val="2556452931"/>
+        <p14:creationId xmlns:p14="http://schemas.microsoft.com/office/powerpoint/2010/main" val="2959586760"/>
       </p:ext>
     </p:extLst>
   </p:cSld>
@@ -3947,7 +3986,7 @@
           <p:cNvPr id="2" name="Title 1">
             <a:extLst>
               <a:ext uri="{FF2B5EF4-FFF2-40B4-BE49-F238E27FC236}">
-                <a16:creationId xmlns:a16="http://schemas.microsoft.com/office/drawing/2014/main" id="{0369C4F5-37BB-544F-875F-E71CCBC7783F}"/>
+                <a16:creationId xmlns:a16="http://schemas.microsoft.com/office/drawing/2014/main" id="{E13FF194-DC87-3B42-A050-6E8E5B014760}"/>
               </a:ext>
             </a:extLst>
           </p:cNvPr>
@@ -3965,7 +4004,7 @@
           <a:p>
             <a:r>
               <a:rPr lang="en-US" dirty="0"/>
-              <a:t>Lecture Review</a:t>
+              <a:t>Classroom Project</a:t>
             </a:r>
           </a:p>
         </p:txBody>
@@ -3975,7 +4014,7 @@
           <p:cNvPr id="3" name="Content Placeholder 2">
             <a:extLst>
               <a:ext uri="{FF2B5EF4-FFF2-40B4-BE49-F238E27FC236}">
-                <a16:creationId xmlns:a16="http://schemas.microsoft.com/office/drawing/2014/main" id="{7B34BD81-0456-EE4A-8044-57DBD9B85993}"/>
+                <a16:creationId xmlns:a16="http://schemas.microsoft.com/office/drawing/2014/main" id="{49A699BF-6AED-7348-9DA9-0B24E933E6E3}"/>
               </a:ext>
             </a:extLst>
           </p:cNvPr>
@@ -3988,75 +4027,48 @@
         </p:nvSpPr>
         <p:spPr/>
         <p:txBody>
-          <a:bodyPr>
-            <a:normAutofit/>
-          </a:bodyPr>
+          <a:bodyPr/>
           <a:lstStyle/>
           <a:p>
             <a:r>
               <a:rPr lang="en-US" dirty="0"/>
-              <a:t>Docker image</a:t>
+              <a:t>Attendance</a:t>
+            </a:r>
+          </a:p>
+          <a:p>
+            <a:endParaRPr lang="en-US" dirty="0"/>
+          </a:p>
+          <a:p>
+            <a:r>
+              <a:rPr lang="en-US" dirty="0"/>
+              <a:t>Overview: </a:t>
             </a:r>
           </a:p>
           <a:p>
             <a:pPr lvl="1"/>
             <a:r>
               <a:rPr lang="en-US" dirty="0"/>
-              <a:t>Consists of layers -- unified file system</a:t>
-            </a:r>
-          </a:p>
-          <a:p>
-            <a:pPr lvl="1"/>
-            <a:r>
-              <a:rPr lang="en-US" dirty="0"/>
-              <a:t>Designed to optimize downloading and building of images</a:t>
-            </a:r>
-          </a:p>
-          <a:p>
-            <a:pPr lvl="1"/>
-            <a:r>
-              <a:rPr lang="en-US" dirty="0"/>
-              <a:t>Image is read-only</a:t>
-            </a:r>
-          </a:p>
-          <a:p>
-            <a:pPr lvl="1"/>
-            <a:endParaRPr lang="en-US" dirty="0"/>
-          </a:p>
-          <a:p>
-            <a:r>
-              <a:rPr lang="en-US" dirty="0"/>
-              <a:t>Building Docker images</a:t>
-            </a:r>
-          </a:p>
-          <a:p>
-            <a:pPr lvl="1"/>
-            <a:r>
-              <a:rPr lang="en-US" dirty="0"/>
-              <a:t>Create an image starting from an existing image.</a:t>
-            </a:r>
-          </a:p>
-          <a:p>
-            <a:pPr lvl="1"/>
-            <a:r>
-              <a:rPr lang="en-US" dirty="0"/>
-              <a:t>Image tags</a:t>
-            </a:r>
-          </a:p>
-          <a:p>
-            <a:pPr lvl="1"/>
+              <a:t>Create a basic Docker container using a </a:t>
+            </a:r>
             <a:r>
               <a:rPr lang="en-US" dirty="0" err="1"/>
               <a:t>Dockerfile</a:t>
             </a:r>
+            <a:r>
+              <a:rPr lang="en-US" dirty="0"/>
+              <a:t>.</a:t>
+            </a:r>
+          </a:p>
+          <a:p>
             <a:endParaRPr lang="en-US" dirty="0"/>
           </a:p>
           <a:p>
-            <a:pPr lvl="1"/>
-            <a:endParaRPr lang="en-US" dirty="0"/>
-          </a:p>
-          <a:p>
-            <a:pPr lvl="2"/>
+            <a:r>
+              <a:rPr lang="en-US" dirty="0"/>
+              <a:t>Show me your work when completed!</a:t>
+            </a:r>
+          </a:p>
+          <a:p>
             <a:endParaRPr lang="en-US" dirty="0"/>
           </a:p>
         </p:txBody>
@@ -4064,7 +4076,7 @@
     </p:spTree>
     <p:extLst>
       <p:ext uri="{BB962C8B-B14F-4D97-AF65-F5344CB8AC3E}">
-        <p14:creationId xmlns:p14="http://schemas.microsoft.com/office/powerpoint/2010/main" val="2959586760"/>
+        <p14:creationId xmlns:p14="http://schemas.microsoft.com/office/powerpoint/2010/main" val="1208524681"/>
       </p:ext>
     </p:extLst>
   </p:cSld>
@@ -4093,291 +4105,6 @@
       </p:grpSpPr>
       <p:sp>
         <p:nvSpPr>
-          <p:cNvPr id="2" name="Title 1">
-            <a:extLst>
-              <a:ext uri="{FF2B5EF4-FFF2-40B4-BE49-F238E27FC236}">
-                <a16:creationId xmlns:a16="http://schemas.microsoft.com/office/drawing/2014/main" id="{0369C4F5-37BB-544F-875F-E71CCBC7783F}"/>
-              </a:ext>
-            </a:extLst>
-          </p:cNvPr>
-          <p:cNvSpPr>
-            <a:spLocks noGrp="1"/>
-          </p:cNvSpPr>
-          <p:nvPr>
-            <p:ph type="title"/>
-          </p:nvPr>
-        </p:nvSpPr>
-        <p:spPr/>
-        <p:txBody>
-          <a:bodyPr/>
-          <a:lstStyle/>
-          <a:p>
-            <a:r>
-              <a:rPr lang="en-US" dirty="0"/>
-              <a:t>Lecture Review</a:t>
-            </a:r>
-          </a:p>
-        </p:txBody>
-      </p:sp>
-      <p:sp>
-        <p:nvSpPr>
-          <p:cNvPr id="3" name="Content Placeholder 2">
-            <a:extLst>
-              <a:ext uri="{FF2B5EF4-FFF2-40B4-BE49-F238E27FC236}">
-                <a16:creationId xmlns:a16="http://schemas.microsoft.com/office/drawing/2014/main" id="{7B34BD81-0456-EE4A-8044-57DBD9B85993}"/>
-              </a:ext>
-            </a:extLst>
-          </p:cNvPr>
-          <p:cNvSpPr>
-            <a:spLocks noGrp="1"/>
-          </p:cNvSpPr>
-          <p:nvPr>
-            <p:ph idx="1"/>
-          </p:nvPr>
-        </p:nvSpPr>
-        <p:spPr/>
-        <p:txBody>
-          <a:bodyPr>
-            <a:normAutofit fontScale="92500" lnSpcReduction="20000"/>
-          </a:bodyPr>
-          <a:lstStyle/>
-          <a:p>
-            <a:r>
-              <a:rPr lang="en-US" dirty="0" err="1"/>
-              <a:t>Dockerfile</a:t>
-            </a:r>
-            <a:r>
-              <a:rPr lang="en-US" dirty="0"/>
-              <a:t> commands</a:t>
-            </a:r>
-          </a:p>
-          <a:p>
-            <a:pPr lvl="1"/>
-            <a:r>
-              <a:rPr lang="en-US" dirty="0"/>
-              <a:t>FROM, LABEL, CMD, ENTRYPOINT, COPY, WORKDIR, ENV, EXPOSE</a:t>
-            </a:r>
-          </a:p>
-          <a:p>
-            <a:endParaRPr lang="en-US" dirty="0"/>
-          </a:p>
-          <a:p>
-            <a:r>
-              <a:rPr lang="en-US" dirty="0"/>
-              <a:t>Networking</a:t>
-            </a:r>
-          </a:p>
-          <a:p>
-            <a:pPr lvl="1"/>
-            <a:r>
-              <a:rPr lang="en-US" dirty="0"/>
-              <a:t>Port mapping</a:t>
-            </a:r>
-          </a:p>
-          <a:p>
-            <a:pPr lvl="1"/>
-            <a:r>
-              <a:rPr lang="en-US" dirty="0"/>
-              <a:t>Drivers: bridge, null, host, container</a:t>
-            </a:r>
-          </a:p>
-          <a:p>
-            <a:pPr lvl="1"/>
-            <a:endParaRPr lang="en-US" dirty="0"/>
-          </a:p>
-          <a:p>
-            <a:r>
-              <a:rPr lang="en-US" dirty="0"/>
-              <a:t>Volumes</a:t>
-            </a:r>
-          </a:p>
-          <a:p>
-            <a:pPr lvl="1"/>
-            <a:r>
-              <a:rPr lang="en-US" dirty="0"/>
-              <a:t>Allow data to persist outside of container.</a:t>
-            </a:r>
-          </a:p>
-          <a:p>
-            <a:pPr lvl="1"/>
-            <a:r>
-              <a:rPr lang="en-US" dirty="0"/>
-              <a:t>Bind mount: map host directory to container directory</a:t>
-            </a:r>
-          </a:p>
-          <a:p>
-            <a:endParaRPr lang="en-US" dirty="0"/>
-          </a:p>
-          <a:p>
-            <a:r>
-              <a:rPr lang="en-US" dirty="0"/>
-              <a:t>Docker compose</a:t>
-            </a:r>
-          </a:p>
-          <a:p>
-            <a:pPr lvl="1"/>
-            <a:endParaRPr lang="en-US" dirty="0"/>
-          </a:p>
-          <a:p>
-            <a:pPr lvl="2"/>
-            <a:endParaRPr lang="en-US" dirty="0"/>
-          </a:p>
-        </p:txBody>
-      </p:sp>
-    </p:spTree>
-    <p:extLst>
-      <p:ext uri="{BB962C8B-B14F-4D97-AF65-F5344CB8AC3E}">
-        <p14:creationId xmlns:p14="http://schemas.microsoft.com/office/powerpoint/2010/main" val="3162201792"/>
-      </p:ext>
-    </p:extLst>
-  </p:cSld>
-  <p:clrMapOvr>
-    <a:masterClrMapping/>
-  </p:clrMapOvr>
-</p:sld>
-</file>
-
-<file path=ppt/slides/slide7.xml><?xml version="1.0" encoding="utf-8"?>
-<p:sld xmlns:a="http://schemas.openxmlformats.org/drawingml/2006/main" xmlns:r="http://schemas.openxmlformats.org/officeDocument/2006/relationships" xmlns:p="http://schemas.openxmlformats.org/presentationml/2006/main">
-  <p:cSld>
-    <p:spTree>
-      <p:nvGrpSpPr>
-        <p:cNvPr id="1" name=""/>
-        <p:cNvGrpSpPr/>
-        <p:nvPr/>
-      </p:nvGrpSpPr>
-      <p:grpSpPr>
-        <a:xfrm>
-          <a:off x="0" y="0"/>
-          <a:ext cx="0" cy="0"/>
-          <a:chOff x="0" y="0"/>
-          <a:chExt cx="0" cy="0"/>
-        </a:xfrm>
-      </p:grpSpPr>
-      <p:sp>
-        <p:nvSpPr>
-          <p:cNvPr id="2" name="Title 1">
-            <a:extLst>
-              <a:ext uri="{FF2B5EF4-FFF2-40B4-BE49-F238E27FC236}">
-                <a16:creationId xmlns:a16="http://schemas.microsoft.com/office/drawing/2014/main" id="{E13FF194-DC87-3B42-A050-6E8E5B014760}"/>
-              </a:ext>
-            </a:extLst>
-          </p:cNvPr>
-          <p:cNvSpPr>
-            <a:spLocks noGrp="1"/>
-          </p:cNvSpPr>
-          <p:nvPr>
-            <p:ph type="title"/>
-          </p:nvPr>
-        </p:nvSpPr>
-        <p:spPr/>
-        <p:txBody>
-          <a:bodyPr/>
-          <a:lstStyle/>
-          <a:p>
-            <a:r>
-              <a:rPr lang="en-US" dirty="0"/>
-              <a:t>Classroom Project</a:t>
-            </a:r>
-          </a:p>
-        </p:txBody>
-      </p:sp>
-      <p:sp>
-        <p:nvSpPr>
-          <p:cNvPr id="3" name="Content Placeholder 2">
-            <a:extLst>
-              <a:ext uri="{FF2B5EF4-FFF2-40B4-BE49-F238E27FC236}">
-                <a16:creationId xmlns:a16="http://schemas.microsoft.com/office/drawing/2014/main" id="{49A699BF-6AED-7348-9DA9-0B24E933E6E3}"/>
-              </a:ext>
-            </a:extLst>
-          </p:cNvPr>
-          <p:cNvSpPr>
-            <a:spLocks noGrp="1"/>
-          </p:cNvSpPr>
-          <p:nvPr>
-            <p:ph idx="1"/>
-          </p:nvPr>
-        </p:nvSpPr>
-        <p:spPr/>
-        <p:txBody>
-          <a:bodyPr/>
-          <a:lstStyle/>
-          <a:p>
-            <a:r>
-              <a:rPr lang="en-US" dirty="0"/>
-              <a:t>Attendance</a:t>
-            </a:r>
-          </a:p>
-          <a:p>
-            <a:endParaRPr lang="en-US" dirty="0"/>
-          </a:p>
-          <a:p>
-            <a:r>
-              <a:rPr lang="en-US" dirty="0"/>
-              <a:t>Overview: </a:t>
-            </a:r>
-          </a:p>
-          <a:p>
-            <a:pPr lvl="1"/>
-            <a:r>
-              <a:rPr lang="en-US" dirty="0"/>
-              <a:t>Create a basic Docker container using a </a:t>
-            </a:r>
-            <a:r>
-              <a:rPr lang="en-US" dirty="0" err="1"/>
-              <a:t>Dockerfile</a:t>
-            </a:r>
-            <a:r>
-              <a:rPr lang="en-US" dirty="0"/>
-              <a:t>.</a:t>
-            </a:r>
-          </a:p>
-          <a:p>
-            <a:endParaRPr lang="en-US" dirty="0"/>
-          </a:p>
-          <a:p>
-            <a:r>
-              <a:rPr lang="en-US" dirty="0"/>
-              <a:t>Show me your work when completed!</a:t>
-            </a:r>
-          </a:p>
-          <a:p>
-            <a:endParaRPr lang="en-US" dirty="0"/>
-          </a:p>
-        </p:txBody>
-      </p:sp>
-    </p:spTree>
-    <p:extLst>
-      <p:ext uri="{BB962C8B-B14F-4D97-AF65-F5344CB8AC3E}">
-        <p14:creationId xmlns:p14="http://schemas.microsoft.com/office/powerpoint/2010/main" val="1208524681"/>
-      </p:ext>
-    </p:extLst>
-  </p:cSld>
-  <p:clrMapOvr>
-    <a:masterClrMapping/>
-  </p:clrMapOvr>
-</p:sld>
-</file>
-
-<file path=ppt/slides/slide8.xml><?xml version="1.0" encoding="utf-8"?>
-<p:sld xmlns:a="http://schemas.openxmlformats.org/drawingml/2006/main" xmlns:r="http://schemas.openxmlformats.org/officeDocument/2006/relationships" xmlns:p="http://schemas.openxmlformats.org/presentationml/2006/main">
-  <p:cSld>
-    <p:spTree>
-      <p:nvGrpSpPr>
-        <p:cNvPr id="1" name=""/>
-        <p:cNvGrpSpPr/>
-        <p:nvPr/>
-      </p:nvGrpSpPr>
-      <p:grpSpPr>
-        <a:xfrm>
-          <a:off x="0" y="0"/>
-          <a:ext cx="0" cy="0"/>
-          <a:chOff x="0" y="0"/>
-          <a:chExt cx="0" cy="0"/>
-        </a:xfrm>
-      </p:grpSpPr>
-      <p:sp>
-        <p:nvSpPr>
           <p:cNvPr id="2" name="Title 1"/>
           <p:cNvSpPr>
             <a:spLocks noGrp="1"/>
@@ -4419,28 +4146,16 @@
             </a:r>
           </a:p>
           <a:p>
+            <a:endParaRPr lang="en-US"/>
+          </a:p>
+          <a:p>
+            <a:r>
+              <a:rPr lang="en-US"/>
+              <a:t>Watch </a:t>
+            </a:r>
             <a:r>
               <a:rPr lang="en-US" dirty="0"/>
-              <a:t>Read </a:t>
-            </a:r>
-            <a:r>
-              <a:rPr lang="en-US" i="1" dirty="0"/>
-              <a:t>Infrastructure as </a:t>
-            </a:r>
-            <a:r>
-              <a:rPr lang="en-US" i="1"/>
-              <a:t>Code </a:t>
-            </a:r>
-            <a:r>
-              <a:rPr lang="en-US"/>
-              <a:t>Chapter 15</a:t>
-            </a:r>
-            <a:endParaRPr lang="en-US" dirty="0"/>
-          </a:p>
-          <a:p>
-            <a:r>
-              <a:rPr lang="en-US" dirty="0"/>
-              <a:t>Watch Lecture 12 videos</a:t>
+              <a:t>Lecture 12 videos</a:t>
             </a:r>
           </a:p>
         </p:txBody>

--- a/review/lecture-review-week-11.pptx
+++ b/review/lecture-review-week-11.pptx
@@ -9,8 +9,8 @@
     <p:sldId id="260" r:id="rId3"/>
     <p:sldId id="261" r:id="rId4"/>
     <p:sldId id="271" r:id="rId5"/>
-    <p:sldId id="269" r:id="rId6"/>
-    <p:sldId id="278" r:id="rId7"/>
+    <p:sldId id="278" r:id="rId6"/>
+    <p:sldId id="269" r:id="rId7"/>
   </p:sldIdLst>
   <p:sldSz cx="12192000" cy="6858000"/>
   <p:notesSz cx="6858000" cy="9144000"/>
@@ -264,7 +264,7 @@
           <a:p>
             <a:fld id="{DAC1E4EF-1A07-8740-80B6-D041CCD5E262}" type="datetimeFigureOut">
               <a:rPr lang="en-US" smtClean="0"/>
-              <a:t>7/15/19</a:t>
+              <a:t>11/17/19</a:t>
             </a:fld>
             <a:endParaRPr lang="en-US"/>
           </a:p>
@@ -462,7 +462,7 @@
           <a:p>
             <a:fld id="{DAC1E4EF-1A07-8740-80B6-D041CCD5E262}" type="datetimeFigureOut">
               <a:rPr lang="en-US" smtClean="0"/>
-              <a:t>7/15/19</a:t>
+              <a:t>11/17/19</a:t>
             </a:fld>
             <a:endParaRPr lang="en-US"/>
           </a:p>
@@ -670,7 +670,7 @@
           <a:p>
             <a:fld id="{DAC1E4EF-1A07-8740-80B6-D041CCD5E262}" type="datetimeFigureOut">
               <a:rPr lang="en-US" smtClean="0"/>
-              <a:t>7/15/19</a:t>
+              <a:t>11/17/19</a:t>
             </a:fld>
             <a:endParaRPr lang="en-US"/>
           </a:p>
@@ -868,7 +868,7 @@
           <a:p>
             <a:fld id="{DAC1E4EF-1A07-8740-80B6-D041CCD5E262}" type="datetimeFigureOut">
               <a:rPr lang="en-US" smtClean="0"/>
-              <a:t>7/15/19</a:t>
+              <a:t>11/17/19</a:t>
             </a:fld>
             <a:endParaRPr lang="en-US"/>
           </a:p>
@@ -1143,7 +1143,7 @@
           <a:p>
             <a:fld id="{DAC1E4EF-1A07-8740-80B6-D041CCD5E262}" type="datetimeFigureOut">
               <a:rPr lang="en-US" smtClean="0"/>
-              <a:t>7/15/19</a:t>
+              <a:t>11/17/19</a:t>
             </a:fld>
             <a:endParaRPr lang="en-US"/>
           </a:p>
@@ -1408,7 +1408,7 @@
           <a:p>
             <a:fld id="{DAC1E4EF-1A07-8740-80B6-D041CCD5E262}" type="datetimeFigureOut">
               <a:rPr lang="en-US" smtClean="0"/>
-              <a:t>7/15/19</a:t>
+              <a:t>11/17/19</a:t>
             </a:fld>
             <a:endParaRPr lang="en-US"/>
           </a:p>
@@ -1820,7 +1820,7 @@
           <a:p>
             <a:fld id="{DAC1E4EF-1A07-8740-80B6-D041CCD5E262}" type="datetimeFigureOut">
               <a:rPr lang="en-US" smtClean="0"/>
-              <a:t>7/15/19</a:t>
+              <a:t>11/17/19</a:t>
             </a:fld>
             <a:endParaRPr lang="en-US"/>
           </a:p>
@@ -1961,7 +1961,7 @@
           <a:p>
             <a:fld id="{DAC1E4EF-1A07-8740-80B6-D041CCD5E262}" type="datetimeFigureOut">
               <a:rPr lang="en-US" smtClean="0"/>
-              <a:t>7/15/19</a:t>
+              <a:t>11/17/19</a:t>
             </a:fld>
             <a:endParaRPr lang="en-US"/>
           </a:p>
@@ -2074,7 +2074,7 @@
           <a:p>
             <a:fld id="{DAC1E4EF-1A07-8740-80B6-D041CCD5E262}" type="datetimeFigureOut">
               <a:rPr lang="en-US" smtClean="0"/>
-              <a:t>7/15/19</a:t>
+              <a:t>11/17/19</a:t>
             </a:fld>
             <a:endParaRPr lang="en-US"/>
           </a:p>
@@ -2385,7 +2385,7 @@
           <a:p>
             <a:fld id="{DAC1E4EF-1A07-8740-80B6-D041CCD5E262}" type="datetimeFigureOut">
               <a:rPr lang="en-US" smtClean="0"/>
-              <a:t>7/15/19</a:t>
+              <a:t>11/17/19</a:t>
             </a:fld>
             <a:endParaRPr lang="en-US"/>
           </a:p>
@@ -2673,7 +2673,7 @@
           <a:p>
             <a:fld id="{DAC1E4EF-1A07-8740-80B6-D041CCD5E262}" type="datetimeFigureOut">
               <a:rPr lang="en-US" smtClean="0"/>
-              <a:t>7/15/19</a:t>
+              <a:t>11/17/19</a:t>
             </a:fld>
             <a:endParaRPr lang="en-US"/>
           </a:p>
@@ -2914,7 +2914,7 @@
           <a:p>
             <a:fld id="{DAC1E4EF-1A07-8740-80B6-D041CCD5E262}" type="datetimeFigureOut">
               <a:rPr lang="en-US" smtClean="0"/>
-              <a:t>7/15/19</a:t>
+              <a:t>11/17/19</a:t>
             </a:fld>
             <a:endParaRPr lang="en-US"/>
           </a:p>
@@ -3983,13 +3983,7 @@
       </p:grpSpPr>
       <p:sp>
         <p:nvSpPr>
-          <p:cNvPr id="2" name="Title 1">
-            <a:extLst>
-              <a:ext uri="{FF2B5EF4-FFF2-40B4-BE49-F238E27FC236}">
-                <a16:creationId xmlns:a16="http://schemas.microsoft.com/office/drawing/2014/main" id="{E13FF194-DC87-3B42-A050-6E8E5B014760}"/>
-              </a:ext>
-            </a:extLst>
-          </p:cNvPr>
+          <p:cNvPr id="2" name="Title 1"/>
           <p:cNvSpPr>
             <a:spLocks noGrp="1"/>
           </p:cNvSpPr>
@@ -4004,20 +3998,14 @@
           <a:p>
             <a:r>
               <a:rPr lang="en-US" dirty="0"/>
-              <a:t>Classroom Project</a:t>
-            </a:r>
-          </a:p>
-        </p:txBody>
-      </p:sp>
-      <p:sp>
-        <p:nvSpPr>
-          <p:cNvPr id="3" name="Content Placeholder 2">
-            <a:extLst>
-              <a:ext uri="{FF2B5EF4-FFF2-40B4-BE49-F238E27FC236}">
-                <a16:creationId xmlns:a16="http://schemas.microsoft.com/office/drawing/2014/main" id="{49A699BF-6AED-7348-9DA9-0B24E933E6E3}"/>
-              </a:ext>
-            </a:extLst>
-          </p:cNvPr>
+              <a:t>Homework</a:t>
+            </a:r>
+          </a:p>
+        </p:txBody>
+      </p:sp>
+      <p:sp>
+        <p:nvSpPr>
+          <p:cNvPr id="3" name="Content Placeholder 2"/>
           <p:cNvSpPr>
             <a:spLocks noGrp="1"/>
           </p:cNvSpPr>
@@ -4032,51 +4020,28 @@
           <a:p>
             <a:r>
               <a:rPr lang="en-US" dirty="0"/>
-              <a:t>Attendance</a:t>
-            </a:r>
-          </a:p>
-          <a:p>
-            <a:endParaRPr lang="en-US" dirty="0"/>
-          </a:p>
-          <a:p>
+              <a:t>Assignment 10: Docker</a:t>
+            </a:r>
+          </a:p>
+          <a:p>
+            <a:endParaRPr lang="en-US"/>
+          </a:p>
+          <a:p>
+            <a:r>
+              <a:rPr lang="en-US"/>
+              <a:t>Watch </a:t>
+            </a:r>
             <a:r>
               <a:rPr lang="en-US" dirty="0"/>
-              <a:t>Overview: </a:t>
-            </a:r>
-          </a:p>
-          <a:p>
-            <a:pPr lvl="1"/>
-            <a:r>
-              <a:rPr lang="en-US" dirty="0"/>
-              <a:t>Create a basic Docker container using a </a:t>
-            </a:r>
-            <a:r>
-              <a:rPr lang="en-US" dirty="0" err="1"/>
-              <a:t>Dockerfile</a:t>
-            </a:r>
-            <a:r>
-              <a:rPr lang="en-US" dirty="0"/>
-              <a:t>.</a:t>
-            </a:r>
-          </a:p>
-          <a:p>
-            <a:endParaRPr lang="en-US" dirty="0"/>
-          </a:p>
-          <a:p>
-            <a:r>
-              <a:rPr lang="en-US" dirty="0"/>
-              <a:t>Show me your work when completed!</a:t>
-            </a:r>
-          </a:p>
-          <a:p>
-            <a:endParaRPr lang="en-US" dirty="0"/>
+              <a:t>Lecture 12 videos</a:t>
+            </a:r>
           </a:p>
         </p:txBody>
       </p:sp>
     </p:spTree>
     <p:extLst>
       <p:ext uri="{BB962C8B-B14F-4D97-AF65-F5344CB8AC3E}">
-        <p14:creationId xmlns:p14="http://schemas.microsoft.com/office/powerpoint/2010/main" val="1208524681"/>
+        <p14:creationId xmlns:p14="http://schemas.microsoft.com/office/powerpoint/2010/main" val="4210413493"/>
       </p:ext>
     </p:extLst>
   </p:cSld>
@@ -4105,7 +4070,13 @@
       </p:grpSpPr>
       <p:sp>
         <p:nvSpPr>
-          <p:cNvPr id="2" name="Title 1"/>
+          <p:cNvPr id="2" name="Title 1">
+            <a:extLst>
+              <a:ext uri="{FF2B5EF4-FFF2-40B4-BE49-F238E27FC236}">
+                <a16:creationId xmlns:a16="http://schemas.microsoft.com/office/drawing/2014/main" id="{E13FF194-DC87-3B42-A050-6E8E5B014760}"/>
+              </a:ext>
+            </a:extLst>
+          </p:cNvPr>
           <p:cNvSpPr>
             <a:spLocks noGrp="1"/>
           </p:cNvSpPr>
@@ -4120,14 +4091,20 @@
           <a:p>
             <a:r>
               <a:rPr lang="en-US" dirty="0"/>
-              <a:t>Homework</a:t>
-            </a:r>
-          </a:p>
-        </p:txBody>
-      </p:sp>
-      <p:sp>
-        <p:nvSpPr>
-          <p:cNvPr id="3" name="Content Placeholder 2"/>
+              <a:t>Classroom Project</a:t>
+            </a:r>
+          </a:p>
+        </p:txBody>
+      </p:sp>
+      <p:sp>
+        <p:nvSpPr>
+          <p:cNvPr id="3" name="Content Placeholder 2">
+            <a:extLst>
+              <a:ext uri="{FF2B5EF4-FFF2-40B4-BE49-F238E27FC236}">
+                <a16:creationId xmlns:a16="http://schemas.microsoft.com/office/drawing/2014/main" id="{49A699BF-6AED-7348-9DA9-0B24E933E6E3}"/>
+              </a:ext>
+            </a:extLst>
+          </p:cNvPr>
           <p:cNvSpPr>
             <a:spLocks noGrp="1"/>
           </p:cNvSpPr>
@@ -4142,28 +4119,51 @@
           <a:p>
             <a:r>
               <a:rPr lang="en-US" dirty="0"/>
-              <a:t>Assignment 10: Docker</a:t>
-            </a:r>
-          </a:p>
-          <a:p>
-            <a:endParaRPr lang="en-US"/>
-          </a:p>
-          <a:p>
-            <a:r>
-              <a:rPr lang="en-US"/>
-              <a:t>Watch </a:t>
-            </a:r>
+              <a:t>Attendance</a:t>
+            </a:r>
+          </a:p>
+          <a:p>
+            <a:endParaRPr lang="en-US" dirty="0"/>
+          </a:p>
+          <a:p>
             <a:r>
               <a:rPr lang="en-US" dirty="0"/>
-              <a:t>Lecture 12 videos</a:t>
-            </a:r>
+              <a:t>Overview: </a:t>
+            </a:r>
+          </a:p>
+          <a:p>
+            <a:pPr lvl="1"/>
+            <a:r>
+              <a:rPr lang="en-US" dirty="0"/>
+              <a:t>Create a basic Docker container using a </a:t>
+            </a:r>
+            <a:r>
+              <a:rPr lang="en-US" dirty="0" err="1"/>
+              <a:t>Dockerfile</a:t>
+            </a:r>
+            <a:r>
+              <a:rPr lang="en-US" dirty="0"/>
+              <a:t>.</a:t>
+            </a:r>
+          </a:p>
+          <a:p>
+            <a:endParaRPr lang="en-US" dirty="0"/>
+          </a:p>
+          <a:p>
+            <a:r>
+              <a:rPr lang="en-US" dirty="0"/>
+              <a:t>Show me your work when completed!</a:t>
+            </a:r>
+          </a:p>
+          <a:p>
+            <a:endParaRPr lang="en-US" dirty="0"/>
           </a:p>
         </p:txBody>
       </p:sp>
     </p:spTree>
     <p:extLst>
       <p:ext uri="{BB962C8B-B14F-4D97-AF65-F5344CB8AC3E}">
-        <p14:creationId xmlns:p14="http://schemas.microsoft.com/office/powerpoint/2010/main" val="4210413493"/>
+        <p14:creationId xmlns:p14="http://schemas.microsoft.com/office/powerpoint/2010/main" val="1208524681"/>
       </p:ext>
     </p:extLst>
   </p:cSld>

--- a/review/lecture-review-week-11.pptx
+++ b/review/lecture-review-week-11.pptx
@@ -264,7 +264,7 @@
           <a:p>
             <a:fld id="{DAC1E4EF-1A07-8740-80B6-D041CCD5E262}" type="datetimeFigureOut">
               <a:rPr lang="en-US" smtClean="0"/>
-              <a:t>11/17/19</a:t>
+              <a:t>8/10/20</a:t>
             </a:fld>
             <a:endParaRPr lang="en-US"/>
           </a:p>
@@ -462,7 +462,7 @@
           <a:p>
             <a:fld id="{DAC1E4EF-1A07-8740-80B6-D041CCD5E262}" type="datetimeFigureOut">
               <a:rPr lang="en-US" smtClean="0"/>
-              <a:t>11/17/19</a:t>
+              <a:t>8/10/20</a:t>
             </a:fld>
             <a:endParaRPr lang="en-US"/>
           </a:p>
@@ -670,7 +670,7 @@
           <a:p>
             <a:fld id="{DAC1E4EF-1A07-8740-80B6-D041CCD5E262}" type="datetimeFigureOut">
               <a:rPr lang="en-US" smtClean="0"/>
-              <a:t>11/17/19</a:t>
+              <a:t>8/10/20</a:t>
             </a:fld>
             <a:endParaRPr lang="en-US"/>
           </a:p>
@@ -868,7 +868,7 @@
           <a:p>
             <a:fld id="{DAC1E4EF-1A07-8740-80B6-D041CCD5E262}" type="datetimeFigureOut">
               <a:rPr lang="en-US" smtClean="0"/>
-              <a:t>11/17/19</a:t>
+              <a:t>8/10/20</a:t>
             </a:fld>
             <a:endParaRPr lang="en-US"/>
           </a:p>
@@ -1143,7 +1143,7 @@
           <a:p>
             <a:fld id="{DAC1E4EF-1A07-8740-80B6-D041CCD5E262}" type="datetimeFigureOut">
               <a:rPr lang="en-US" smtClean="0"/>
-              <a:t>11/17/19</a:t>
+              <a:t>8/10/20</a:t>
             </a:fld>
             <a:endParaRPr lang="en-US"/>
           </a:p>
@@ -1408,7 +1408,7 @@
           <a:p>
             <a:fld id="{DAC1E4EF-1A07-8740-80B6-D041CCD5E262}" type="datetimeFigureOut">
               <a:rPr lang="en-US" smtClean="0"/>
-              <a:t>11/17/19</a:t>
+              <a:t>8/10/20</a:t>
             </a:fld>
             <a:endParaRPr lang="en-US"/>
           </a:p>
@@ -1820,7 +1820,7 @@
           <a:p>
             <a:fld id="{DAC1E4EF-1A07-8740-80B6-D041CCD5E262}" type="datetimeFigureOut">
               <a:rPr lang="en-US" smtClean="0"/>
-              <a:t>11/17/19</a:t>
+              <a:t>8/10/20</a:t>
             </a:fld>
             <a:endParaRPr lang="en-US"/>
           </a:p>
@@ -1961,7 +1961,7 @@
           <a:p>
             <a:fld id="{DAC1E4EF-1A07-8740-80B6-D041CCD5E262}" type="datetimeFigureOut">
               <a:rPr lang="en-US" smtClean="0"/>
-              <a:t>11/17/19</a:t>
+              <a:t>8/10/20</a:t>
             </a:fld>
             <a:endParaRPr lang="en-US"/>
           </a:p>
@@ -2074,7 +2074,7 @@
           <a:p>
             <a:fld id="{DAC1E4EF-1A07-8740-80B6-D041CCD5E262}" type="datetimeFigureOut">
               <a:rPr lang="en-US" smtClean="0"/>
-              <a:t>11/17/19</a:t>
+              <a:t>8/10/20</a:t>
             </a:fld>
             <a:endParaRPr lang="en-US"/>
           </a:p>
@@ -2385,7 +2385,7 @@
           <a:p>
             <a:fld id="{DAC1E4EF-1A07-8740-80B6-D041CCD5E262}" type="datetimeFigureOut">
               <a:rPr lang="en-US" smtClean="0"/>
-              <a:t>11/17/19</a:t>
+              <a:t>8/10/20</a:t>
             </a:fld>
             <a:endParaRPr lang="en-US"/>
           </a:p>
@@ -2673,7 +2673,7 @@
           <a:p>
             <a:fld id="{DAC1E4EF-1A07-8740-80B6-D041CCD5E262}" type="datetimeFigureOut">
               <a:rPr lang="en-US" smtClean="0"/>
-              <a:t>11/17/19</a:t>
+              <a:t>8/10/20</a:t>
             </a:fld>
             <a:endParaRPr lang="en-US"/>
           </a:p>
@@ -2914,7 +2914,7 @@
           <a:p>
             <a:fld id="{DAC1E4EF-1A07-8740-80B6-D041CCD5E262}" type="datetimeFigureOut">
               <a:rPr lang="en-US" smtClean="0"/>
-              <a:t>11/17/19</a:t>
+              <a:t>8/10/20</a:t>
             </a:fld>
             <a:endParaRPr lang="en-US"/>
           </a:p>
@@ -3361,8 +3361,8 @@
               <a:rPr lang="en-US" sz="3600" dirty="0"/>
             </a:br>
             <a:r>
-              <a:rPr lang="en-US" sz="3600" dirty="0"/>
-              <a:t>SEIS 665</a:t>
+              <a:rPr lang="en-US" sz="3600"/>
+              <a:t>SEIS 615</a:t>
             </a:r>
             <a:br>
               <a:rPr lang="en-US" sz="3600" dirty="0"/>

--- a/review/lecture-review-week-11.pptx
+++ b/review/lecture-review-week-11.pptx
@@ -264,7 +264,7 @@
           <a:p>
             <a:fld id="{DAC1E4EF-1A07-8740-80B6-D041CCD5E262}" type="datetimeFigureOut">
               <a:rPr lang="en-US" smtClean="0"/>
-              <a:t>8/10/20</a:t>
+              <a:t>9/11/21</a:t>
             </a:fld>
             <a:endParaRPr lang="en-US"/>
           </a:p>
@@ -462,7 +462,7 @@
           <a:p>
             <a:fld id="{DAC1E4EF-1A07-8740-80B6-D041CCD5E262}" type="datetimeFigureOut">
               <a:rPr lang="en-US" smtClean="0"/>
-              <a:t>8/10/20</a:t>
+              <a:t>9/11/21</a:t>
             </a:fld>
             <a:endParaRPr lang="en-US"/>
           </a:p>
@@ -670,7 +670,7 @@
           <a:p>
             <a:fld id="{DAC1E4EF-1A07-8740-80B6-D041CCD5E262}" type="datetimeFigureOut">
               <a:rPr lang="en-US" smtClean="0"/>
-              <a:t>8/10/20</a:t>
+              <a:t>9/11/21</a:t>
             </a:fld>
             <a:endParaRPr lang="en-US"/>
           </a:p>
@@ -868,7 +868,7 @@
           <a:p>
             <a:fld id="{DAC1E4EF-1A07-8740-80B6-D041CCD5E262}" type="datetimeFigureOut">
               <a:rPr lang="en-US" smtClean="0"/>
-              <a:t>8/10/20</a:t>
+              <a:t>9/11/21</a:t>
             </a:fld>
             <a:endParaRPr lang="en-US"/>
           </a:p>
@@ -1143,7 +1143,7 @@
           <a:p>
             <a:fld id="{DAC1E4EF-1A07-8740-80B6-D041CCD5E262}" type="datetimeFigureOut">
               <a:rPr lang="en-US" smtClean="0"/>
-              <a:t>8/10/20</a:t>
+              <a:t>9/11/21</a:t>
             </a:fld>
             <a:endParaRPr lang="en-US"/>
           </a:p>
@@ -1408,7 +1408,7 @@
           <a:p>
             <a:fld id="{DAC1E4EF-1A07-8740-80B6-D041CCD5E262}" type="datetimeFigureOut">
               <a:rPr lang="en-US" smtClean="0"/>
-              <a:t>8/10/20</a:t>
+              <a:t>9/11/21</a:t>
             </a:fld>
             <a:endParaRPr lang="en-US"/>
           </a:p>
@@ -1820,7 +1820,7 @@
           <a:p>
             <a:fld id="{DAC1E4EF-1A07-8740-80B6-D041CCD5E262}" type="datetimeFigureOut">
               <a:rPr lang="en-US" smtClean="0"/>
-              <a:t>8/10/20</a:t>
+              <a:t>9/11/21</a:t>
             </a:fld>
             <a:endParaRPr lang="en-US"/>
           </a:p>
@@ -1961,7 +1961,7 @@
           <a:p>
             <a:fld id="{DAC1E4EF-1A07-8740-80B6-D041CCD5E262}" type="datetimeFigureOut">
               <a:rPr lang="en-US" smtClean="0"/>
-              <a:t>8/10/20</a:t>
+              <a:t>9/11/21</a:t>
             </a:fld>
             <a:endParaRPr lang="en-US"/>
           </a:p>
@@ -2074,7 +2074,7 @@
           <a:p>
             <a:fld id="{DAC1E4EF-1A07-8740-80B6-D041CCD5E262}" type="datetimeFigureOut">
               <a:rPr lang="en-US" smtClean="0"/>
-              <a:t>8/10/20</a:t>
+              <a:t>9/11/21</a:t>
             </a:fld>
             <a:endParaRPr lang="en-US"/>
           </a:p>
@@ -2385,7 +2385,7 @@
           <a:p>
             <a:fld id="{DAC1E4EF-1A07-8740-80B6-D041CCD5E262}" type="datetimeFigureOut">
               <a:rPr lang="en-US" smtClean="0"/>
-              <a:t>8/10/20</a:t>
+              <a:t>9/11/21</a:t>
             </a:fld>
             <a:endParaRPr lang="en-US"/>
           </a:p>
@@ -2673,7 +2673,7 @@
           <a:p>
             <a:fld id="{DAC1E4EF-1A07-8740-80B6-D041CCD5E262}" type="datetimeFigureOut">
               <a:rPr lang="en-US" smtClean="0"/>
-              <a:t>8/10/20</a:t>
+              <a:t>9/11/21</a:t>
             </a:fld>
             <a:endParaRPr lang="en-US"/>
           </a:p>
@@ -2914,7 +2914,7 @@
           <a:p>
             <a:fld id="{DAC1E4EF-1A07-8740-80B6-D041CCD5E262}" type="datetimeFigureOut">
               <a:rPr lang="en-US" smtClean="0"/>
-              <a:t>8/10/20</a:t>
+              <a:t>9/11/21</a:t>
             </a:fld>
             <a:endParaRPr lang="en-US"/>
           </a:p>
@@ -3668,7 +3668,7 @@
         </p:spPr>
         <p:txBody>
           <a:bodyPr>
-            <a:normAutofit fontScale="62500" lnSpcReduction="20000"/>
+            <a:normAutofit fontScale="85000" lnSpcReduction="20000"/>
           </a:bodyPr>
           <a:lstStyle/>
           <a:p>
@@ -3682,25 +3682,6 @@
             <a:r>
               <a:rPr lang="en-US" dirty="0"/>
               <a:t>A way to encapsulate an application and its dependencies in a lightweight and portable environment.</a:t>
-            </a:r>
-          </a:p>
-          <a:p>
-            <a:pPr marL="0" indent="0">
-              <a:buNone/>
-            </a:pPr>
-            <a:endParaRPr lang="en-US" dirty="0"/>
-          </a:p>
-          <a:p>
-            <a:r>
-              <a:rPr lang="en-US" dirty="0"/>
-              <a:t>A container isn't a VM.</a:t>
-            </a:r>
-          </a:p>
-          <a:p>
-            <a:pPr lvl="1"/>
-            <a:r>
-              <a:rPr lang="en-US" dirty="0"/>
-              <a:t>Containers use the same kernel as the host.</a:t>
             </a:r>
           </a:p>
           <a:p>
